--- a/doc/MLOps_HPC_Image_Processing_Presentation.pptx
+++ b/doc/MLOps_HPC_Image_Processing_Presentation.pptx
@@ -6,7 +6,7 @@
     <p:sldMasterId id="2147483661" r:id="rId2"/>
   </p:sldMasterIdLst>
   <p:notesMasterIdLst>
-    <p:notesMasterId r:id="rId9"/>
+    <p:notesMasterId r:id="rId10"/>
   </p:notesMasterIdLst>
   <p:sldIdLst>
     <p:sldId id="256" r:id="rId3"/>
@@ -14,24 +14,25 @@
     <p:sldId id="279" r:id="rId5"/>
     <p:sldId id="278" r:id="rId6"/>
     <p:sldId id="280" r:id="rId7"/>
-    <p:sldId id="274" r:id="rId8"/>
+    <p:sldId id="281" r:id="rId8"/>
+    <p:sldId id="274" r:id="rId9"/>
   </p:sldIdLst>
   <p:sldSz cx="9144000" cy="5143500" type="screen16x9"/>
   <p:notesSz cx="6858000" cy="9144000"/>
   <p:embeddedFontLst>
     <p:embeddedFont>
       <p:font typeface="Calibri" panose="020F0502020204030204" pitchFamily="34" charset="0"/>
-      <p:regular r:id="rId10"/>
-      <p:bold r:id="rId11"/>
-      <p:italic r:id="rId12"/>
-      <p:boldItalic r:id="rId13"/>
+      <p:regular r:id="rId11"/>
+      <p:bold r:id="rId12"/>
+      <p:italic r:id="rId13"/>
+      <p:boldItalic r:id="rId14"/>
     </p:embeddedFont>
     <p:embeddedFont>
       <p:font typeface="Montserrat" panose="020B0604020202020204" charset="0"/>
-      <p:regular r:id="rId14"/>
-      <p:bold r:id="rId15"/>
-      <p:italic r:id="rId16"/>
-      <p:boldItalic r:id="rId17"/>
+      <p:regular r:id="rId15"/>
+      <p:bold r:id="rId16"/>
+      <p:italic r:id="rId17"/>
+      <p:boldItalic r:id="rId18"/>
     </p:embeddedFont>
   </p:embeddedFontLst>
   <p:defaultTextStyle>
@@ -268,7 +269,7 @@
       <p15:sldGuideLst xmlns:p15="http://schemas.microsoft.com/office/powerpoint/2012/main"/>
     </p:ext>
     <p:ext uri="http://customooxmlschemas.google.com/">
-      <go:slidesCustomData xmlns:go="http://customooxmlschemas.google.com/" xmlns:ahyp="http://schemas.microsoft.com/office/drawing/2018/hyperlinkcolor" xmlns:p15="http://schemas.microsoft.com/office/powerpoint/2012/main" xmlns:p14="http://schemas.microsoft.com/office/powerpoint/2010/main" xmlns:com="http://schemas.openxmlformats.org/drawingml/2006/compatibility" xmlns:pvml="urn:schemas-microsoft-com:office:powerpoint" xmlns:v="urn:schemas-microsoft-com:vml" xmlns:o="urn:schemas-microsoft-com:office:office" xmlns:dgm="http://schemas.openxmlformats.org/drawingml/2006/diagram" xmlns:c="http://schemas.openxmlformats.org/drawingml/2006/chart" xmlns:mv="urn:schemas-microsoft-com:mac:vml" xmlns:mc="http://schemas.openxmlformats.org/markup-compatibility/2006" xmlns="" r:id="rId38" roundtripDataSignature="AMtx7mjY/awRKXtOP3o7VT361McZlY4PNQ=="/>
+      <go:slidesCustomData xmlns="" xmlns:mc="http://schemas.openxmlformats.org/markup-compatibility/2006" xmlns:mv="urn:schemas-microsoft-com:mac:vml" xmlns:c="http://schemas.openxmlformats.org/drawingml/2006/chart" xmlns:dgm="http://schemas.openxmlformats.org/drawingml/2006/diagram" xmlns:o="urn:schemas-microsoft-com:office:office" xmlns:v="urn:schemas-microsoft-com:vml" xmlns:pvml="urn:schemas-microsoft-com:office:powerpoint" xmlns:com="http://schemas.openxmlformats.org/drawingml/2006/compatibility" xmlns:p14="http://schemas.microsoft.com/office/powerpoint/2010/main" xmlns:p15="http://schemas.microsoft.com/office/powerpoint/2012/main" xmlns:ahyp="http://schemas.microsoft.com/office/drawing/2018/hyperlinkcolor" xmlns:go="http://customooxmlschemas.google.com/" r:id="rId38" roundtripDataSignature="AMtx7mjY/awRKXtOP3o7VT361McZlY4PNQ=="/>
     </p:ext>
   </p:extLst>
 </p:presentation>
@@ -1484,6 +1485,133 @@
 </file>
 
 <file path=ppt/notesSlides/notesSlide6.xml><?xml version="1.0" encoding="utf-8"?>
+<p:notes xmlns:a="http://schemas.openxmlformats.org/drawingml/2006/main" xmlns:r="http://schemas.openxmlformats.org/officeDocument/2006/relationships" xmlns:p="http://schemas.openxmlformats.org/presentationml/2006/main" showMasterSp="0" showMasterPhAnim="0">
+  <p:cSld>
+    <p:spTree>
+      <p:nvGrpSpPr>
+        <p:cNvPr id="1" name="Shape 189"/>
+        <p:cNvGrpSpPr/>
+        <p:nvPr/>
+      </p:nvGrpSpPr>
+      <p:grpSpPr>
+        <a:xfrm>
+          <a:off x="0" y="0"/>
+          <a:ext cx="0" cy="0"/>
+          <a:chOff x="0" y="0"/>
+          <a:chExt cx="0" cy="0"/>
+        </a:xfrm>
+      </p:grpSpPr>
+      <p:sp>
+        <p:nvSpPr>
+          <p:cNvPr id="190" name="Google Shape;190;p4:notes"/>
+          <p:cNvSpPr>
+            <a:spLocks noGrp="1" noRot="1" noChangeAspect="1"/>
+          </p:cNvSpPr>
+          <p:nvPr>
+            <p:ph type="sldImg" idx="2"/>
+          </p:nvPr>
+        </p:nvSpPr>
+        <p:spPr>
+          <a:xfrm>
+            <a:off x="381000" y="685800"/>
+            <a:ext cx="6096000" cy="3429000"/>
+          </a:xfrm>
+          <a:custGeom>
+            <a:avLst/>
+            <a:gdLst/>
+            <a:ahLst/>
+            <a:cxnLst/>
+            <a:rect l="l" t="t" r="r" b="b"/>
+            <a:pathLst>
+              <a:path w="120000" h="120000" extrusionOk="0">
+                <a:moveTo>
+                  <a:pt x="0" y="0"/>
+                </a:moveTo>
+                <a:lnTo>
+                  <a:pt x="120000" y="0"/>
+                </a:lnTo>
+                <a:lnTo>
+                  <a:pt x="120000" y="120000"/>
+                </a:lnTo>
+                <a:lnTo>
+                  <a:pt x="0" y="120000"/>
+                </a:lnTo>
+                <a:close/>
+              </a:path>
+            </a:pathLst>
+          </a:custGeom>
+          <a:noFill/>
+          <a:ln w="9525" cap="flat" cmpd="sng">
+            <a:solidFill>
+              <a:srgbClr val="000000"/>
+            </a:solidFill>
+            <a:prstDash val="solid"/>
+            <a:round/>
+            <a:headEnd type="none" w="sm" len="sm"/>
+            <a:tailEnd type="none" w="sm" len="sm"/>
+          </a:ln>
+        </p:spPr>
+      </p:sp>
+      <p:sp>
+        <p:nvSpPr>
+          <p:cNvPr id="191" name="Google Shape;191;p4:notes"/>
+          <p:cNvSpPr txBox="1">
+            <a:spLocks noGrp="1"/>
+          </p:cNvSpPr>
+          <p:nvPr>
+            <p:ph type="body" idx="1"/>
+          </p:nvPr>
+        </p:nvSpPr>
+        <p:spPr>
+          <a:xfrm>
+            <a:off x="685800" y="4343400"/>
+            <a:ext cx="5486400" cy="4114800"/>
+          </a:xfrm>
+          <a:prstGeom prst="rect">
+            <a:avLst/>
+          </a:prstGeom>
+          <a:noFill/>
+          <a:ln>
+            <a:noFill/>
+          </a:ln>
+        </p:spPr>
+        <p:txBody>
+          <a:bodyPr spcFirstLastPara="1" wrap="square" lIns="91425" tIns="91425" rIns="91425" bIns="91425" anchor="t" anchorCtr="0">
+            <a:noAutofit/>
+          </a:bodyPr>
+          <a:lstStyle/>
+          <a:p>
+            <a:pPr marL="0" lvl="0" indent="0" algn="l" rtl="0">
+              <a:lnSpc>
+                <a:spcPct val="100000"/>
+              </a:lnSpc>
+              <a:spcBef>
+                <a:spcPts val="0"/>
+              </a:spcBef>
+              <a:spcAft>
+                <a:spcPts val="0"/>
+              </a:spcAft>
+              <a:buSzPts val="1400"/>
+              <a:buNone/>
+            </a:pPr>
+            <a:endParaRPr dirty="0"/>
+          </a:p>
+        </p:txBody>
+      </p:sp>
+    </p:spTree>
+    <p:extLst>
+      <p:ext uri="{BB962C8B-B14F-4D97-AF65-F5344CB8AC3E}">
+        <p14:creationId xmlns:p14="http://schemas.microsoft.com/office/powerpoint/2010/main" val="2793091745"/>
+      </p:ext>
+    </p:extLst>
+  </p:cSld>
+  <p:clrMapOvr>
+    <a:masterClrMapping/>
+  </p:clrMapOvr>
+</p:notes>
+</file>
+
+<file path=ppt/notesSlides/notesSlide7.xml><?xml version="1.0" encoding="utf-8"?>
 <p:notes xmlns:a="http://schemas.openxmlformats.org/drawingml/2006/main" xmlns:r="http://schemas.openxmlformats.org/officeDocument/2006/relationships" xmlns:p="http://schemas.openxmlformats.org/presentationml/2006/main" showMasterSp="0" showMasterPhAnim="0">
   <p:cSld>
     <p:spTree>
@@ -30752,8 +30880,8 @@
         </p:nvSpPr>
         <p:spPr>
           <a:xfrm>
-            <a:off x="157450" y="599674"/>
-            <a:ext cx="5725638" cy="5185995"/>
+            <a:off x="157449" y="599674"/>
+            <a:ext cx="8259947" cy="4139554"/>
           </a:xfrm>
           <a:prstGeom prst="rect">
             <a:avLst/>
@@ -30778,53 +30906,42 @@
               <a:buChar char="Ø"/>
             </a:pPr>
             <a:r>
-              <a:rPr lang="en-IN" sz="1200" dirty="0"/>
+              <a:rPr lang="en-IN" dirty="0"/>
               <a:t>GitHub Actions is </a:t>
             </a:r>
             <a:r>
-              <a:rPr lang="en-IN" sz="1200" b="1" dirty="0"/>
+              <a:rPr lang="en-IN" b="1" dirty="0"/>
               <a:t>a continuous integration and continuous delivery (CI/CD) </a:t>
             </a:r>
             <a:r>
-              <a:rPr lang="en-IN" sz="1200" b="1" dirty="0" smtClean="0"/>
+              <a:rPr lang="en-IN" b="1" dirty="0" smtClean="0"/>
               <a:t>platform, </a:t>
             </a:r>
             <a:r>
-              <a:rPr lang="en-IN" sz="1200" b="1" dirty="0"/>
+              <a:rPr lang="en-IN" b="1" dirty="0"/>
               <a:t>allows </a:t>
             </a:r>
             <a:r>
-              <a:rPr lang="en-IN" sz="1200" b="1" dirty="0" smtClean="0"/>
+              <a:rPr lang="en-IN" b="1" dirty="0" smtClean="0"/>
               <a:t>to </a:t>
             </a:r>
             <a:r>
-              <a:rPr lang="en-IN" sz="1200" b="1" dirty="0"/>
+              <a:rPr lang="en-IN" b="1" dirty="0"/>
               <a:t>automate </a:t>
             </a:r>
             <a:r>
-              <a:rPr lang="en-IN" sz="1200" b="1" dirty="0" smtClean="0"/>
+              <a:rPr lang="en-IN" b="1" dirty="0" smtClean="0"/>
               <a:t>build</a:t>
             </a:r>
             <a:r>
-              <a:rPr lang="en-IN" sz="1200" b="1" dirty="0"/>
+              <a:rPr lang="en-IN" b="1" dirty="0"/>
               <a:t>, test, and deployment pipeline</a:t>
             </a:r>
             <a:r>
-              <a:rPr lang="en-IN" sz="1200" dirty="0"/>
+              <a:rPr lang="en-IN" dirty="0"/>
               <a:t>. </a:t>
             </a:r>
-            <a:r>
-              <a:rPr lang="en-IN" sz="1200" dirty="0" smtClean="0"/>
-              <a:t>For this project we created </a:t>
-            </a:r>
-            <a:r>
-              <a:rPr lang="en-IN" sz="1200" dirty="0" err="1" smtClean="0"/>
-              <a:t>gitHub</a:t>
-            </a:r>
-            <a:r>
-              <a:rPr lang="en-IN" sz="1200" dirty="0" smtClean="0"/>
-              <a:t> repository[1].</a:t>
-            </a:r>
+            <a:endParaRPr lang="en-IN" dirty="0" smtClean="0"/>
           </a:p>
           <a:p>
             <a:pPr lvl="0">
@@ -30833,7 +30950,7 @@
               </a:buClr>
               <a:buSzPts val="1400"/>
             </a:pPr>
-            <a:endParaRPr lang="en-IN" sz="1200" dirty="0" smtClean="0"/>
+            <a:endParaRPr lang="en-IN" dirty="0" smtClean="0"/>
           </a:p>
           <a:p>
             <a:pPr marL="285750" lvl="0" indent="-285750">
@@ -30845,7 +30962,7 @@
               <a:buChar char="Ø"/>
             </a:pPr>
             <a:r>
-              <a:rPr lang="en-IN" sz="1200" b="1" dirty="0" smtClean="0"/>
+              <a:rPr lang="en-IN" b="1" dirty="0" smtClean="0"/>
               <a:t>GitHub Actions components:</a:t>
             </a:r>
           </a:p>
@@ -30862,7 +30979,7 @@
               <a:buChar char="▣"/>
             </a:pPr>
             <a:r>
-              <a:rPr lang="en-IN" sz="1200" b="1" dirty="0">
+              <a:rPr lang="en-IN" b="1" dirty="0">
                 <a:solidFill>
                   <a:schemeClr val="dk1"/>
                 </a:solidFill>
@@ -30873,7 +30990,7 @@
               <a:t>Workflows</a:t>
             </a:r>
             <a:r>
-              <a:rPr lang="en-IN" sz="1200" dirty="0">
+              <a:rPr lang="en-IN" dirty="0">
                 <a:solidFill>
                   <a:schemeClr val="dk1"/>
                 </a:solidFill>
@@ -30881,54 +30998,10 @@
                 <a:ea typeface="Calibri"/>
                 <a:cs typeface="Calibri"/>
               </a:rPr>
-              <a:t>: A </a:t>
+              <a:t>: A configurable automated process, run one or more jobs. build and test our code in parallel and merge it via pull/push to the project </a:t>
             </a:r>
             <a:r>
-              <a:rPr lang="en-IN" sz="1200" dirty="0">
-                <a:solidFill>
-                  <a:schemeClr val="dk1"/>
-                </a:solidFill>
-                <a:latin typeface="Calibri"/>
-                <a:ea typeface="Calibri"/>
-                <a:cs typeface="Calibri"/>
-              </a:rPr>
-              <a:t>configurable automated </a:t>
-            </a:r>
-            <a:r>
-              <a:rPr lang="en-IN" sz="1200" dirty="0">
-                <a:solidFill>
-                  <a:schemeClr val="dk1"/>
-                </a:solidFill>
-                <a:latin typeface="Calibri"/>
-                <a:ea typeface="Calibri"/>
-                <a:cs typeface="Calibri"/>
-              </a:rPr>
-              <a:t>process, run </a:t>
-            </a:r>
-            <a:r>
-              <a:rPr lang="en-IN" sz="1200" dirty="0">
-                <a:solidFill>
-                  <a:schemeClr val="dk1"/>
-                </a:solidFill>
-                <a:latin typeface="Calibri"/>
-                <a:ea typeface="Calibri"/>
-                <a:cs typeface="Calibri"/>
-              </a:rPr>
-              <a:t>one or more jobs. </a:t>
-            </a:r>
-            <a:r>
-              <a:rPr lang="en-IN" sz="1200" dirty="0">
-                <a:solidFill>
-                  <a:schemeClr val="dk1"/>
-                </a:solidFill>
-                <a:latin typeface="Calibri"/>
-                <a:ea typeface="Calibri"/>
-                <a:cs typeface="Calibri"/>
-              </a:rPr>
-              <a:t>build and test our code in parallel and merge it via pull/push to the project </a:t>
-            </a:r>
-            <a:r>
-              <a:rPr lang="en-IN" sz="1200" dirty="0" smtClean="0">
+              <a:rPr lang="en-IN" dirty="0" smtClean="0">
                 <a:solidFill>
                   <a:schemeClr val="dk1"/>
                 </a:solidFill>
@@ -30938,7 +31011,7 @@
               </a:rPr>
               <a:t>repository.</a:t>
             </a:r>
-            <a:endParaRPr lang="en-IN" sz="1200" dirty="0">
+            <a:endParaRPr lang="en-IN" dirty="0">
               <a:solidFill>
                 <a:schemeClr val="dk1"/>
               </a:solidFill>
@@ -30960,43 +31033,43 @@
               <a:buChar char="▣"/>
             </a:pPr>
             <a:r>
-              <a:rPr lang="en-IN" sz="1200" b="1" dirty="0" smtClean="0"/>
+              <a:rPr lang="en-IN" b="1" dirty="0" smtClean="0"/>
               <a:t>Events: </a:t>
             </a:r>
             <a:r>
-              <a:rPr lang="en-IN" sz="1200" dirty="0" smtClean="0"/>
+              <a:rPr lang="en-IN" dirty="0" smtClean="0"/>
               <a:t>A specific </a:t>
             </a:r>
             <a:r>
-              <a:rPr lang="en-IN" sz="1200" dirty="0"/>
+              <a:rPr lang="en-IN" dirty="0"/>
               <a:t>activity in a repository that triggers a workflow run. </a:t>
             </a:r>
             <a:r>
-              <a:rPr lang="en-IN" sz="1200" dirty="0" smtClean="0"/>
+              <a:rPr lang="en-IN" dirty="0" smtClean="0"/>
               <a:t>Can be </a:t>
             </a:r>
             <a:r>
-              <a:rPr lang="en-IN" sz="1200" dirty="0"/>
+              <a:rPr lang="en-IN" dirty="0"/>
               <a:t>activity </a:t>
             </a:r>
             <a:r>
-              <a:rPr lang="en-IN" sz="1200" dirty="0" smtClean="0"/>
+              <a:rPr lang="en-IN" dirty="0" smtClean="0"/>
               <a:t>originated </a:t>
             </a:r>
             <a:r>
-              <a:rPr lang="en-IN" sz="1200" dirty="0"/>
+              <a:rPr lang="en-IN" dirty="0"/>
               <a:t>from </a:t>
             </a:r>
             <a:r>
-              <a:rPr lang="en-IN" sz="1200" dirty="0" smtClean="0"/>
+              <a:rPr lang="en-IN" dirty="0" smtClean="0"/>
               <a:t>GitHub on </a:t>
             </a:r>
             <a:r>
-              <a:rPr lang="en-IN" sz="1200" dirty="0"/>
+              <a:rPr lang="en-IN" dirty="0"/>
               <a:t>a pull request, opens an issue, or pushes a commit to a </a:t>
             </a:r>
             <a:r>
-              <a:rPr lang="en-IN" sz="1200" dirty="0" smtClean="0"/>
+              <a:rPr lang="en-IN" dirty="0" smtClean="0"/>
               <a:t>repository.</a:t>
             </a:r>
           </a:p>
@@ -31013,67 +31086,67 @@
               <a:buChar char="▣"/>
             </a:pPr>
             <a:r>
-              <a:rPr lang="en-IN" sz="1200" b="1" dirty="0" smtClean="0"/>
+              <a:rPr lang="en-IN" b="1" dirty="0" smtClean="0"/>
               <a:t>Jobs: </a:t>
             </a:r>
             <a:r>
-              <a:rPr lang="en-IN" sz="1200" dirty="0" smtClean="0"/>
+              <a:rPr lang="en-IN" dirty="0" smtClean="0"/>
               <a:t>A set </a:t>
             </a:r>
             <a:r>
-              <a:rPr lang="en-IN" sz="1200" dirty="0"/>
+              <a:rPr lang="en-IN" dirty="0"/>
               <a:t>of </a:t>
             </a:r>
             <a:r>
-              <a:rPr lang="en-IN" sz="1200" i="1" dirty="0"/>
+              <a:rPr lang="en-IN" i="1" dirty="0"/>
               <a:t>steps</a:t>
             </a:r>
             <a:r>
-              <a:rPr lang="en-IN" sz="1200" dirty="0"/>
+              <a:rPr lang="en-IN" dirty="0"/>
               <a:t> in a workflow that execute on the same </a:t>
             </a:r>
             <a:r>
-              <a:rPr lang="en-IN" sz="1200" dirty="0" smtClean="0"/>
+              <a:rPr lang="en-IN" dirty="0" smtClean="0"/>
               <a:t>runner, executed </a:t>
             </a:r>
             <a:r>
-              <a:rPr lang="en-IN" sz="1200" dirty="0"/>
+              <a:rPr lang="en-IN" dirty="0"/>
               <a:t>in order and are dependent on each </a:t>
             </a:r>
             <a:r>
-              <a:rPr lang="en-IN" sz="1200" dirty="0" smtClean="0"/>
+              <a:rPr lang="en-IN" dirty="0" smtClean="0"/>
               <a:t>other, and can </a:t>
             </a:r>
             <a:r>
-              <a:rPr lang="en-IN" sz="1200" dirty="0"/>
+              <a:rPr lang="en-IN" dirty="0"/>
               <a:t>share data from one step to another. </a:t>
             </a:r>
             <a:r>
-              <a:rPr lang="en-IN" sz="1200" dirty="0" smtClean="0"/>
+              <a:rPr lang="en-IN" dirty="0" smtClean="0"/>
               <a:t>Example:  Step1 </a:t>
             </a:r>
             <a:r>
-              <a:rPr lang="en-IN" sz="1200" dirty="0"/>
+              <a:rPr lang="en-IN" dirty="0"/>
               <a:t>builds </a:t>
             </a:r>
             <a:r>
-              <a:rPr lang="en-IN" sz="1200" dirty="0" smtClean="0"/>
+              <a:rPr lang="en-IN" dirty="0" smtClean="0"/>
               <a:t>application, step2 </a:t>
             </a:r>
             <a:r>
-              <a:rPr lang="en-IN" sz="1200" dirty="0"/>
+              <a:rPr lang="en-IN" dirty="0"/>
               <a:t>tests the </a:t>
             </a:r>
             <a:r>
-              <a:rPr lang="en-IN" sz="1200" dirty="0" smtClean="0"/>
+              <a:rPr lang="en-IN" dirty="0" smtClean="0"/>
               <a:t>built application, when all Jobs execute in parallel the </a:t>
             </a:r>
             <a:r>
-              <a:rPr lang="en-IN" sz="1200" dirty="0"/>
+              <a:rPr lang="en-IN" dirty="0"/>
               <a:t>packaging job will </a:t>
             </a:r>
             <a:r>
-              <a:rPr lang="en-IN" sz="1200" dirty="0" smtClean="0"/>
+              <a:rPr lang="en-IN" dirty="0" smtClean="0"/>
               <a:t>run finally.</a:t>
             </a:r>
           </a:p>
@@ -31090,59 +31163,59 @@
               <a:buChar char="▣"/>
             </a:pPr>
             <a:r>
-              <a:rPr lang="en-IN" sz="1200" b="1" dirty="0" smtClean="0"/>
+              <a:rPr lang="en-IN" b="1" dirty="0" smtClean="0"/>
               <a:t>Actions: </a:t>
             </a:r>
             <a:r>
-              <a:rPr lang="en-IN" sz="1200" dirty="0" smtClean="0"/>
+              <a:rPr lang="en-IN" dirty="0" smtClean="0"/>
               <a:t>A </a:t>
             </a:r>
             <a:r>
-              <a:rPr lang="en-IN" sz="1200" dirty="0"/>
+              <a:rPr lang="en-IN" dirty="0"/>
               <a:t>custom application for the GitHub Actions </a:t>
             </a:r>
             <a:r>
-              <a:rPr lang="en-IN" sz="1200" dirty="0" smtClean="0"/>
+              <a:rPr lang="en-IN" dirty="0" smtClean="0"/>
               <a:t>platform, performs </a:t>
             </a:r>
             <a:r>
-              <a:rPr lang="en-IN" sz="1200" dirty="0"/>
+              <a:rPr lang="en-IN" dirty="0"/>
               <a:t>a complex but frequently repeated task. </a:t>
             </a:r>
             <a:r>
-              <a:rPr lang="en-IN" sz="1200" dirty="0" smtClean="0"/>
+              <a:rPr lang="en-IN" dirty="0" smtClean="0"/>
               <a:t>An </a:t>
             </a:r>
             <a:r>
-              <a:rPr lang="en-IN" sz="1200" dirty="0"/>
+              <a:rPr lang="en-IN" dirty="0"/>
               <a:t>action can pull </a:t>
             </a:r>
             <a:r>
-              <a:rPr lang="en-IN" sz="1200" dirty="0" smtClean="0"/>
+              <a:rPr lang="en-IN" dirty="0" smtClean="0"/>
               <a:t>git </a:t>
             </a:r>
             <a:r>
-              <a:rPr lang="en-IN" sz="1200" dirty="0"/>
+              <a:rPr lang="en-IN" dirty="0"/>
               <a:t>repository from GitHub, </a:t>
             </a:r>
             <a:r>
-              <a:rPr lang="en-IN" sz="1200" dirty="0" smtClean="0"/>
+              <a:rPr lang="en-IN" dirty="0" smtClean="0"/>
               <a:t>we </a:t>
             </a:r>
             <a:r>
-              <a:rPr lang="en-IN" sz="1200" dirty="0"/>
+              <a:rPr lang="en-IN" dirty="0"/>
               <a:t>can write </a:t>
             </a:r>
             <a:r>
-              <a:rPr lang="en-IN" sz="1200" dirty="0" smtClean="0"/>
+              <a:rPr lang="en-IN" dirty="0" smtClean="0"/>
               <a:t>our </a:t>
             </a:r>
             <a:r>
-              <a:rPr lang="en-IN" sz="1200" dirty="0"/>
+              <a:rPr lang="en-IN" dirty="0"/>
               <a:t>own </a:t>
             </a:r>
             <a:r>
-              <a:rPr lang="en-IN" sz="1200" dirty="0" smtClean="0"/>
+              <a:rPr lang="en-IN" dirty="0" smtClean="0"/>
               <a:t>actions.</a:t>
             </a:r>
           </a:p>
@@ -31159,96 +31232,42 @@
               <a:buChar char="▣"/>
             </a:pPr>
             <a:r>
-              <a:rPr lang="en-IN" sz="1200" b="1" dirty="0" smtClean="0"/>
+              <a:rPr lang="en-IN" b="1" dirty="0" smtClean="0"/>
               <a:t>Runners: </a:t>
             </a:r>
             <a:r>
-              <a:rPr lang="en-IN" sz="1200" dirty="0" smtClean="0"/>
+              <a:rPr lang="en-IN" dirty="0" smtClean="0"/>
               <a:t>A </a:t>
             </a:r>
             <a:r>
-              <a:rPr lang="en-IN" sz="1200" dirty="0"/>
+              <a:rPr lang="en-IN" dirty="0"/>
               <a:t>server that runs </a:t>
             </a:r>
             <a:r>
-              <a:rPr lang="en-IN" sz="1200" dirty="0" smtClean="0"/>
+              <a:rPr lang="en-IN" dirty="0" smtClean="0"/>
               <a:t>workflows </a:t>
             </a:r>
             <a:r>
-              <a:rPr lang="en-IN" sz="1200" dirty="0"/>
+              <a:rPr lang="en-IN" dirty="0"/>
               <a:t>when </a:t>
             </a:r>
             <a:r>
-              <a:rPr lang="en-IN" sz="1200" dirty="0" smtClean="0"/>
+              <a:rPr lang="en-IN" dirty="0" smtClean="0"/>
               <a:t>triggered</a:t>
             </a:r>
             <a:r>
-              <a:rPr lang="en-IN" sz="1200" dirty="0"/>
+              <a:rPr lang="en-IN" dirty="0"/>
               <a:t>. Each runner can run a single job at a </a:t>
             </a:r>
             <a:r>
-              <a:rPr lang="en-IN" sz="1200" dirty="0" smtClean="0"/>
-              <a:t>time.</a:t>
+              <a:rPr lang="en-IN" dirty="0" smtClean="0"/>
+              <a:t>time</a:t>
             </a:r>
-            <a:endParaRPr lang="en-IN" sz="1200" dirty="0"/>
-          </a:p>
-          <a:p>
-            <a:pPr marL="457200" indent="-317500">
-              <a:spcBef>
-                <a:spcPts val="600"/>
-              </a:spcBef>
-              <a:buClr>
-                <a:schemeClr val="dk1"/>
-              </a:buClr>
-              <a:buSzPts val="1400"/>
-              <a:buFont typeface="Calibri"/>
-              <a:buChar char="▣"/>
-            </a:pPr>
+            <a:r>
+              <a:rPr lang="en-IN" dirty="0" smtClean="0"/>
+              <a:t>.</a:t>
+            </a:r>
             <a:endParaRPr lang="en-IN" dirty="0"/>
-          </a:p>
-          <a:p>
-            <a:pPr marL="457200" indent="-317500">
-              <a:spcBef>
-                <a:spcPts val="600"/>
-              </a:spcBef>
-              <a:buClr>
-                <a:schemeClr val="dk1"/>
-              </a:buClr>
-              <a:buSzPts val="1400"/>
-              <a:buFont typeface="Calibri"/>
-              <a:buChar char="▣"/>
-            </a:pPr>
-            <a:endParaRPr lang="en-IN" dirty="0"/>
-          </a:p>
-          <a:p>
-            <a:pPr marL="285750" indent="-285750">
-              <a:buClr>
-                <a:schemeClr val="dk1"/>
-              </a:buClr>
-              <a:buSzPts val="1400"/>
-              <a:buFont typeface="Wingdings" panose="05000000000000000000" pitchFamily="2" charset="2"/>
-              <a:buChar char="Ø"/>
-            </a:pPr>
-            <a:endParaRPr lang="en-IN" b="1" dirty="0"/>
-          </a:p>
-          <a:p>
-            <a:pPr marL="285750" lvl="0" indent="-285750">
-              <a:buClr>
-                <a:schemeClr val="dk1"/>
-              </a:buClr>
-              <a:buSzPts val="1400"/>
-              <a:buFont typeface="Wingdings" panose="05000000000000000000" pitchFamily="2" charset="2"/>
-              <a:buChar char="Ø"/>
-            </a:pPr>
-            <a:endParaRPr lang="en-IN" b="0" i="0" u="none" strike="noStrike" cap="none" dirty="0">
-              <a:solidFill>
-                <a:srgbClr val="000000"/>
-              </a:solidFill>
-              <a:latin typeface="Arial"/>
-              <a:ea typeface="Arial"/>
-              <a:cs typeface="Arial"/>
-              <a:sym typeface="Arial"/>
-            </a:endParaRPr>
           </a:p>
         </p:txBody>
       </p:sp>
@@ -31533,7 +31552,740 @@
           <a:p>
             <a:r>
               <a:rPr lang="en-US" dirty="0" smtClean="0"/>
-              <a:t>GitHub Actions CI</a:t>
+              <a:t>GitHub Actions </a:t>
+            </a:r>
+            <a:r>
+              <a:rPr lang="en-US" dirty="0" smtClean="0"/>
+              <a:t>CI Introduction</a:t>
+            </a:r>
+            <a:endParaRPr lang="en-US" dirty="0"/>
+          </a:p>
+        </p:txBody>
+      </p:sp>
+      <p:sp>
+        <p:nvSpPr>
+          <p:cNvPr id="3" name="TextBox 2"/>
+          <p:cNvSpPr txBox="1"/>
+          <p:nvPr/>
+        </p:nvSpPr>
+        <p:spPr>
+          <a:xfrm>
+            <a:off x="271665" y="4789822"/>
+            <a:ext cx="8408509" cy="230832"/>
+          </a:xfrm>
+          <a:prstGeom prst="rect">
+            <a:avLst/>
+          </a:prstGeom>
+          <a:noFill/>
+        </p:spPr>
+        <p:txBody>
+          <a:bodyPr wrap="square" rtlCol="0">
+            <a:spAutoFit/>
+          </a:bodyPr>
+          <a:lstStyle/>
+          <a:p>
+            <a:r>
+              <a:rPr lang="en-IN" sz="900" dirty="0" smtClean="0">
+                <a:solidFill>
+                  <a:srgbClr val="FF0000"/>
+                </a:solidFill>
+              </a:rPr>
+              <a:t>[1] </a:t>
+            </a:r>
+            <a:r>
+              <a:rPr lang="en-US" sz="900" dirty="0" smtClean="0">
+                <a:solidFill>
+                  <a:srgbClr val="FF0000"/>
+                </a:solidFill>
+                <a:hlinkClick r:id="rId3"/>
+              </a:rPr>
+              <a:t>https</a:t>
+            </a:r>
+            <a:r>
+              <a:rPr lang="en-US" sz="900" dirty="0">
+                <a:solidFill>
+                  <a:srgbClr val="FF0000"/>
+                </a:solidFill>
+                <a:hlinkClick r:id="rId3"/>
+              </a:rPr>
+              <a:t>://</a:t>
+            </a:r>
+            <a:r>
+              <a:rPr lang="en-US" sz="900" dirty="0" smtClean="0">
+                <a:solidFill>
+                  <a:srgbClr val="FF0000"/>
+                </a:solidFill>
+                <a:hlinkClick r:id="rId3"/>
+              </a:rPr>
+              <a:t>docs.github.com/en/actions/learn-github-actions/understanding-github-actions</a:t>
+            </a:r>
+            <a:r>
+              <a:rPr lang="en-US" sz="900" dirty="0" smtClean="0">
+                <a:solidFill>
+                  <a:srgbClr val="FF0000"/>
+                </a:solidFill>
+              </a:rPr>
+              <a:t> </a:t>
+            </a:r>
+            <a:endParaRPr lang="en-US" sz="900" dirty="0">
+              <a:solidFill>
+                <a:srgbClr val="FF0000"/>
+              </a:solidFill>
+            </a:endParaRPr>
+          </a:p>
+        </p:txBody>
+      </p:sp>
+    </p:spTree>
+    <p:extLst>
+      <p:ext uri="{BB962C8B-B14F-4D97-AF65-F5344CB8AC3E}">
+        <p14:creationId xmlns:p14="http://schemas.microsoft.com/office/powerpoint/2010/main" val="2208687489"/>
+      </p:ext>
+    </p:extLst>
+  </p:cSld>
+  <p:clrMapOvr>
+    <a:masterClrMapping/>
+  </p:clrMapOvr>
+</p:sld>
+</file>
+
+<file path=ppt/slides/slide6.xml><?xml version="1.0" encoding="utf-8"?>
+<p:sld xmlns:a="http://schemas.openxmlformats.org/drawingml/2006/main" xmlns:r="http://schemas.openxmlformats.org/officeDocument/2006/relationships" xmlns:p="http://schemas.openxmlformats.org/presentationml/2006/main">
+  <p:cSld>
+    <p:spTree>
+      <p:nvGrpSpPr>
+        <p:cNvPr id="1" name="Shape 192"/>
+        <p:cNvGrpSpPr/>
+        <p:nvPr/>
+      </p:nvGrpSpPr>
+      <p:grpSpPr>
+        <a:xfrm>
+          <a:off x="0" y="0"/>
+          <a:ext cx="0" cy="0"/>
+          <a:chOff x="0" y="0"/>
+          <a:chExt cx="0" cy="0"/>
+        </a:xfrm>
+      </p:grpSpPr>
+      <p:sp>
+        <p:nvSpPr>
+          <p:cNvPr id="194" name="Google Shape;194;p4"/>
+          <p:cNvSpPr txBox="1">
+            <a:spLocks noGrp="1"/>
+          </p:cNvSpPr>
+          <p:nvPr>
+            <p:ph type="sldNum" idx="12"/>
+          </p:nvPr>
+        </p:nvSpPr>
+        <p:spPr>
+          <a:xfrm>
+            <a:off x="8556775" y="4758433"/>
+            <a:ext cx="548700" cy="309000"/>
+          </a:xfrm>
+          <a:prstGeom prst="rect">
+            <a:avLst/>
+          </a:prstGeom>
+          <a:noFill/>
+          <a:ln>
+            <a:noFill/>
+          </a:ln>
+        </p:spPr>
+        <p:txBody>
+          <a:bodyPr spcFirstLastPara="1" wrap="square" lIns="91425" tIns="91425" rIns="91425" bIns="91425" anchor="t" anchorCtr="0">
+            <a:noAutofit/>
+          </a:bodyPr>
+          <a:lstStyle/>
+          <a:p>
+            <a:pPr marL="0" lvl="0" indent="0" algn="r" rtl="0">
+              <a:lnSpc>
+                <a:spcPct val="100000"/>
+              </a:lnSpc>
+              <a:spcBef>
+                <a:spcPts val="0"/>
+              </a:spcBef>
+              <a:spcAft>
+                <a:spcPts val="0"/>
+              </a:spcAft>
+              <a:buSzPts val="1200"/>
+              <a:buNone/>
+            </a:pPr>
+            <a:fld id="{00000000-1234-1234-1234-123412341234}" type="slidenum">
+              <a:rPr lang="en-US"/>
+              <a:t>6</a:t>
+            </a:fld>
+            <a:endParaRPr/>
+          </a:p>
+        </p:txBody>
+      </p:sp>
+      <p:sp>
+        <p:nvSpPr>
+          <p:cNvPr id="198" name="Google Shape;198;p4"/>
+          <p:cNvSpPr txBox="1"/>
+          <p:nvPr/>
+        </p:nvSpPr>
+        <p:spPr>
+          <a:xfrm>
+            <a:off x="157450" y="767766"/>
+            <a:ext cx="4549021" cy="3739445"/>
+          </a:xfrm>
+          <a:prstGeom prst="rect">
+            <a:avLst/>
+          </a:prstGeom>
+          <a:noFill/>
+          <a:ln>
+            <a:noFill/>
+          </a:ln>
+        </p:spPr>
+        <p:txBody>
+          <a:bodyPr spcFirstLastPara="1" wrap="square" lIns="91425" tIns="45700" rIns="91425" bIns="45700" anchor="t" anchorCtr="0">
+            <a:spAutoFit/>
+          </a:bodyPr>
+          <a:lstStyle/>
+          <a:p>
+            <a:pPr marL="285750" lvl="0" indent="-285750">
+              <a:buClr>
+                <a:schemeClr val="dk1"/>
+              </a:buClr>
+              <a:buSzPts val="1400"/>
+              <a:buFont typeface="Wingdings" panose="05000000000000000000" pitchFamily="2" charset="2"/>
+              <a:buChar char="Ø"/>
+            </a:pPr>
+            <a:r>
+              <a:rPr lang="en-IN" dirty="0" smtClean="0"/>
+              <a:t>For our project </a:t>
+            </a:r>
+            <a:r>
+              <a:rPr lang="en-IN" b="1" dirty="0"/>
+              <a:t>C</a:t>
+            </a:r>
+            <a:r>
+              <a:rPr lang="en-IN" b="1" dirty="0" smtClean="0"/>
+              <a:t>ontinuous </a:t>
+            </a:r>
+            <a:r>
+              <a:rPr lang="en-IN" b="1" dirty="0" smtClean="0"/>
+              <a:t>Integration</a:t>
+            </a:r>
+            <a:r>
+              <a:rPr lang="en-IN" dirty="0" smtClean="0"/>
+              <a:t>, </a:t>
+            </a:r>
+            <a:r>
+              <a:rPr lang="en-IN" b="1" dirty="0" smtClean="0"/>
+              <a:t>seamless handling </a:t>
+            </a:r>
+            <a:r>
+              <a:rPr lang="en-IN" dirty="0" smtClean="0"/>
+              <a:t>and </a:t>
+            </a:r>
+            <a:r>
+              <a:rPr lang="en-IN" b="1" dirty="0" smtClean="0"/>
+              <a:t>parallel working </a:t>
+            </a:r>
+            <a:r>
+              <a:rPr lang="en-IN" dirty="0" smtClean="0"/>
+              <a:t>we created </a:t>
+            </a:r>
+            <a:r>
+              <a:rPr lang="en-IN" dirty="0" smtClean="0"/>
+              <a:t>G</a:t>
+            </a:r>
+            <a:r>
+              <a:rPr lang="en-IN" dirty="0"/>
+              <a:t>itHub project repository[1</a:t>
+            </a:r>
+            <a:r>
+              <a:rPr lang="en-IN" dirty="0" smtClean="0"/>
+              <a:t>] and used it’s component as per our project requirement.</a:t>
+            </a:r>
+            <a:endParaRPr lang="en-IN" dirty="0" smtClean="0"/>
+          </a:p>
+          <a:p>
+            <a:pPr lvl="0">
+              <a:buClr>
+                <a:schemeClr val="dk1"/>
+              </a:buClr>
+              <a:buSzPts val="1400"/>
+            </a:pPr>
+            <a:endParaRPr lang="en-IN" dirty="0" smtClean="0"/>
+          </a:p>
+          <a:p>
+            <a:pPr marL="285750" lvl="0" indent="-285750">
+              <a:buClr>
+                <a:schemeClr val="dk1"/>
+              </a:buClr>
+              <a:buSzPts val="1400"/>
+              <a:buFont typeface="Wingdings" panose="05000000000000000000" pitchFamily="2" charset="2"/>
+              <a:buChar char="Ø"/>
+            </a:pPr>
+            <a:r>
+              <a:rPr lang="en-IN" dirty="0" smtClean="0">
+                <a:solidFill>
+                  <a:schemeClr val="dk1"/>
+                </a:solidFill>
+                <a:latin typeface="Calibri"/>
+                <a:ea typeface="Calibri"/>
+                <a:cs typeface="Calibri"/>
+              </a:rPr>
+              <a:t>Single workflow with </a:t>
+            </a:r>
+            <a:r>
+              <a:rPr lang="en-IN" dirty="0" smtClean="0">
+                <a:solidFill>
+                  <a:schemeClr val="dk1"/>
+                </a:solidFill>
+                <a:latin typeface="Calibri"/>
+                <a:ea typeface="Calibri"/>
+                <a:cs typeface="Calibri"/>
+              </a:rPr>
+              <a:t>one job is used, job: “build” involve multiple steps to install, run build for CUDA and </a:t>
+            </a:r>
+            <a:r>
+              <a:rPr lang="en-IN" dirty="0" err="1" smtClean="0">
+                <a:solidFill>
+                  <a:schemeClr val="dk1"/>
+                </a:solidFill>
+                <a:latin typeface="Calibri"/>
+                <a:ea typeface="Calibri"/>
+                <a:cs typeface="Calibri"/>
+              </a:rPr>
+              <a:t>OpenMP</a:t>
+            </a:r>
+            <a:r>
+              <a:rPr lang="en-IN" dirty="0" smtClean="0">
+                <a:solidFill>
+                  <a:schemeClr val="dk1"/>
+                </a:solidFill>
+                <a:latin typeface="Calibri"/>
+                <a:ea typeface="Calibri"/>
+                <a:cs typeface="Calibri"/>
+              </a:rPr>
+              <a:t> make.</a:t>
+            </a:r>
+          </a:p>
+          <a:p>
+            <a:pPr lvl="0">
+              <a:buClr>
+                <a:schemeClr val="dk1"/>
+              </a:buClr>
+              <a:buSzPts val="1400"/>
+            </a:pPr>
+            <a:endParaRPr lang="en-IN" dirty="0" smtClean="0">
+              <a:solidFill>
+                <a:schemeClr val="dk1"/>
+              </a:solidFill>
+              <a:latin typeface="Calibri"/>
+              <a:ea typeface="Calibri"/>
+              <a:cs typeface="Calibri"/>
+            </a:endParaRPr>
+          </a:p>
+          <a:p>
+            <a:pPr marL="285750" lvl="0" indent="-285750">
+              <a:buClr>
+                <a:schemeClr val="dk1"/>
+              </a:buClr>
+              <a:buSzPts val="1400"/>
+              <a:buFont typeface="Wingdings" panose="05000000000000000000" pitchFamily="2" charset="2"/>
+              <a:buChar char="Ø"/>
+            </a:pPr>
+            <a:r>
+              <a:rPr lang="en-IN" dirty="0" smtClean="0">
+                <a:solidFill>
+                  <a:schemeClr val="dk1"/>
+                </a:solidFill>
+                <a:latin typeface="Calibri"/>
+                <a:ea typeface="Calibri"/>
+                <a:cs typeface="Calibri"/>
+              </a:rPr>
+              <a:t>To build and test </a:t>
+            </a:r>
+            <a:r>
+              <a:rPr lang="en-IN" dirty="0">
+                <a:solidFill>
+                  <a:schemeClr val="dk1"/>
+                </a:solidFill>
+                <a:latin typeface="Calibri"/>
+                <a:ea typeface="Calibri"/>
+                <a:cs typeface="Calibri"/>
+              </a:rPr>
+              <a:t>our code in parallel and merge it via pull/push to the project </a:t>
+            </a:r>
+            <a:r>
+              <a:rPr lang="en-IN" dirty="0" smtClean="0">
+                <a:solidFill>
+                  <a:schemeClr val="dk1"/>
+                </a:solidFill>
+                <a:latin typeface="Calibri"/>
+                <a:ea typeface="Calibri"/>
+                <a:cs typeface="Calibri"/>
+              </a:rPr>
+              <a:t>repository.</a:t>
+            </a:r>
+            <a:endParaRPr lang="en-IN" dirty="0">
+              <a:solidFill>
+                <a:schemeClr val="dk1"/>
+              </a:solidFill>
+              <a:latin typeface="Calibri"/>
+              <a:ea typeface="Calibri"/>
+              <a:cs typeface="Calibri"/>
+            </a:endParaRPr>
+          </a:p>
+          <a:p>
+            <a:pPr marL="139700">
+              <a:spcBef>
+                <a:spcPts val="600"/>
+              </a:spcBef>
+              <a:buClr>
+                <a:schemeClr val="dk1"/>
+              </a:buClr>
+              <a:buSzPts val="1400"/>
+            </a:pPr>
+            <a:endParaRPr lang="en-IN" sz="1200" dirty="0"/>
+          </a:p>
+          <a:p>
+            <a:pPr marL="457200" indent="-317500">
+              <a:spcBef>
+                <a:spcPts val="600"/>
+              </a:spcBef>
+              <a:buClr>
+                <a:schemeClr val="dk1"/>
+              </a:buClr>
+              <a:buSzPts val="1400"/>
+              <a:buFont typeface="Calibri"/>
+              <a:buChar char="▣"/>
+            </a:pPr>
+            <a:endParaRPr lang="en-IN" dirty="0"/>
+          </a:p>
+          <a:p>
+            <a:pPr marL="457200" indent="-317500">
+              <a:spcBef>
+                <a:spcPts val="600"/>
+              </a:spcBef>
+              <a:buClr>
+                <a:schemeClr val="dk1"/>
+              </a:buClr>
+              <a:buSzPts val="1400"/>
+              <a:buFont typeface="Calibri"/>
+              <a:buChar char="▣"/>
+            </a:pPr>
+            <a:endParaRPr lang="en-IN" dirty="0"/>
+          </a:p>
+          <a:p>
+            <a:pPr marL="285750" indent="-285750">
+              <a:buClr>
+                <a:schemeClr val="dk1"/>
+              </a:buClr>
+              <a:buSzPts val="1400"/>
+              <a:buFont typeface="Wingdings" panose="05000000000000000000" pitchFamily="2" charset="2"/>
+              <a:buChar char="Ø"/>
+            </a:pPr>
+            <a:endParaRPr lang="en-IN" b="1" dirty="0"/>
+          </a:p>
+          <a:p>
+            <a:pPr marL="285750" lvl="0" indent="-285750">
+              <a:buClr>
+                <a:schemeClr val="dk1"/>
+              </a:buClr>
+              <a:buSzPts val="1400"/>
+              <a:buFont typeface="Wingdings" panose="05000000000000000000" pitchFamily="2" charset="2"/>
+              <a:buChar char="Ø"/>
+            </a:pPr>
+            <a:endParaRPr lang="en-IN" b="0" i="0" u="none" strike="noStrike" cap="none" dirty="0">
+              <a:solidFill>
+                <a:srgbClr val="000000"/>
+              </a:solidFill>
+              <a:latin typeface="Arial"/>
+              <a:ea typeface="Arial"/>
+              <a:cs typeface="Arial"/>
+              <a:sym typeface="Arial"/>
+            </a:endParaRPr>
+          </a:p>
+        </p:txBody>
+      </p:sp>
+      <p:sp>
+        <p:nvSpPr>
+          <p:cNvPr id="8" name="Google Shape;193;p4">
+            <a:extLst>
+              <a:ext uri="{FF2B5EF4-FFF2-40B4-BE49-F238E27FC236}">
+                <a16:creationId xmlns:a16="http://schemas.microsoft.com/office/drawing/2014/main" id="{CDE0ACA2-A8DA-BC72-3752-B65FC2D5034C}"/>
+              </a:ext>
+            </a:extLst>
+          </p:cNvPr>
+          <p:cNvSpPr txBox="1">
+            <a:spLocks/>
+          </p:cNvSpPr>
+          <p:nvPr/>
+        </p:nvSpPr>
+        <p:spPr>
+          <a:xfrm>
+            <a:off x="157450" y="205656"/>
+            <a:ext cx="7761600" cy="501600"/>
+          </a:xfrm>
+          <a:prstGeom prst="rect">
+            <a:avLst/>
+          </a:prstGeom>
+          <a:noFill/>
+          <a:ln>
+            <a:noFill/>
+          </a:ln>
+        </p:spPr>
+        <p:txBody>
+          <a:bodyPr spcFirstLastPara="1" wrap="square" lIns="91425" tIns="91425" rIns="91425" bIns="91425" anchor="b" anchorCtr="0">
+            <a:noAutofit/>
+          </a:bodyPr>
+          <a:lstStyle>
+            <a:defPPr marR="0" lvl="0" algn="l" rtl="0">
+              <a:lnSpc>
+                <a:spcPct val="100000"/>
+              </a:lnSpc>
+              <a:spcBef>
+                <a:spcPts val="0"/>
+              </a:spcBef>
+              <a:spcAft>
+                <a:spcPts val="0"/>
+              </a:spcAft>
+            </a:defPPr>
+            <a:lvl1pPr marR="0" lvl="0" algn="l" rtl="0">
+              <a:lnSpc>
+                <a:spcPct val="100000"/>
+              </a:lnSpc>
+              <a:spcBef>
+                <a:spcPts val="0"/>
+              </a:spcBef>
+              <a:spcAft>
+                <a:spcPts val="0"/>
+              </a:spcAft>
+              <a:buClr>
+                <a:schemeClr val="dk1"/>
+              </a:buClr>
+              <a:buSzPts val="3000"/>
+              <a:buFont typeface="Calibri"/>
+              <a:buNone/>
+              <a:defRPr sz="3300" b="0" i="0" u="none" strike="noStrike" cap="none">
+                <a:solidFill>
+                  <a:schemeClr val="dk1"/>
+                </a:solidFill>
+                <a:latin typeface="Calibri"/>
+                <a:ea typeface="Calibri"/>
+                <a:cs typeface="Calibri"/>
+                <a:sym typeface="Calibri"/>
+              </a:defRPr>
+            </a:lvl1pPr>
+            <a:lvl2pPr marR="0" lvl="1" algn="l" rtl="0">
+              <a:lnSpc>
+                <a:spcPct val="100000"/>
+              </a:lnSpc>
+              <a:spcBef>
+                <a:spcPts val="0"/>
+              </a:spcBef>
+              <a:spcAft>
+                <a:spcPts val="0"/>
+              </a:spcAft>
+              <a:buClr>
+                <a:srgbClr val="000000"/>
+              </a:buClr>
+              <a:buSzPts val="3000"/>
+              <a:buFont typeface="Arial"/>
+              <a:buNone/>
+              <a:defRPr sz="1800" b="0" i="0" u="none" strike="noStrike" cap="none">
+                <a:solidFill>
+                  <a:srgbClr val="000000"/>
+                </a:solidFill>
+                <a:latin typeface="Arial"/>
+                <a:ea typeface="Arial"/>
+                <a:cs typeface="Arial"/>
+                <a:sym typeface="Arial"/>
+              </a:defRPr>
+            </a:lvl2pPr>
+            <a:lvl3pPr marR="0" lvl="2" algn="l" rtl="0">
+              <a:lnSpc>
+                <a:spcPct val="100000"/>
+              </a:lnSpc>
+              <a:spcBef>
+                <a:spcPts val="0"/>
+              </a:spcBef>
+              <a:spcAft>
+                <a:spcPts val="0"/>
+              </a:spcAft>
+              <a:buClr>
+                <a:srgbClr val="000000"/>
+              </a:buClr>
+              <a:buSzPts val="3000"/>
+              <a:buFont typeface="Arial"/>
+              <a:buNone/>
+              <a:defRPr sz="1800" b="0" i="0" u="none" strike="noStrike" cap="none">
+                <a:solidFill>
+                  <a:srgbClr val="000000"/>
+                </a:solidFill>
+                <a:latin typeface="Arial"/>
+                <a:ea typeface="Arial"/>
+                <a:cs typeface="Arial"/>
+                <a:sym typeface="Arial"/>
+              </a:defRPr>
+            </a:lvl3pPr>
+            <a:lvl4pPr marR="0" lvl="3" algn="l" rtl="0">
+              <a:lnSpc>
+                <a:spcPct val="100000"/>
+              </a:lnSpc>
+              <a:spcBef>
+                <a:spcPts val="0"/>
+              </a:spcBef>
+              <a:spcAft>
+                <a:spcPts val="0"/>
+              </a:spcAft>
+              <a:buClr>
+                <a:srgbClr val="000000"/>
+              </a:buClr>
+              <a:buSzPts val="3000"/>
+              <a:buFont typeface="Arial"/>
+              <a:buNone/>
+              <a:defRPr sz="1800" b="0" i="0" u="none" strike="noStrike" cap="none">
+                <a:solidFill>
+                  <a:srgbClr val="000000"/>
+                </a:solidFill>
+                <a:latin typeface="Arial"/>
+                <a:ea typeface="Arial"/>
+                <a:cs typeface="Arial"/>
+                <a:sym typeface="Arial"/>
+              </a:defRPr>
+            </a:lvl4pPr>
+            <a:lvl5pPr marR="0" lvl="4" algn="l" rtl="0">
+              <a:lnSpc>
+                <a:spcPct val="100000"/>
+              </a:lnSpc>
+              <a:spcBef>
+                <a:spcPts val="0"/>
+              </a:spcBef>
+              <a:spcAft>
+                <a:spcPts val="0"/>
+              </a:spcAft>
+              <a:buClr>
+                <a:srgbClr val="000000"/>
+              </a:buClr>
+              <a:buSzPts val="3000"/>
+              <a:buFont typeface="Arial"/>
+              <a:buNone/>
+              <a:defRPr sz="1800" b="0" i="0" u="none" strike="noStrike" cap="none">
+                <a:solidFill>
+                  <a:srgbClr val="000000"/>
+                </a:solidFill>
+                <a:latin typeface="Arial"/>
+                <a:ea typeface="Arial"/>
+                <a:cs typeface="Arial"/>
+                <a:sym typeface="Arial"/>
+              </a:defRPr>
+            </a:lvl5pPr>
+            <a:lvl6pPr marR="0" lvl="5" algn="l" rtl="0">
+              <a:lnSpc>
+                <a:spcPct val="100000"/>
+              </a:lnSpc>
+              <a:spcBef>
+                <a:spcPts val="0"/>
+              </a:spcBef>
+              <a:spcAft>
+                <a:spcPts val="0"/>
+              </a:spcAft>
+              <a:buClr>
+                <a:srgbClr val="000000"/>
+              </a:buClr>
+              <a:buSzPts val="3000"/>
+              <a:buFont typeface="Arial"/>
+              <a:buNone/>
+              <a:defRPr sz="1800" b="0" i="0" u="none" strike="noStrike" cap="none">
+                <a:solidFill>
+                  <a:srgbClr val="000000"/>
+                </a:solidFill>
+                <a:latin typeface="Arial"/>
+                <a:ea typeface="Arial"/>
+                <a:cs typeface="Arial"/>
+                <a:sym typeface="Arial"/>
+              </a:defRPr>
+            </a:lvl6pPr>
+            <a:lvl7pPr marR="0" lvl="6" algn="l" rtl="0">
+              <a:lnSpc>
+                <a:spcPct val="100000"/>
+              </a:lnSpc>
+              <a:spcBef>
+                <a:spcPts val="0"/>
+              </a:spcBef>
+              <a:spcAft>
+                <a:spcPts val="0"/>
+              </a:spcAft>
+              <a:buClr>
+                <a:srgbClr val="000000"/>
+              </a:buClr>
+              <a:buSzPts val="3000"/>
+              <a:buFont typeface="Arial"/>
+              <a:buNone/>
+              <a:defRPr sz="1800" b="0" i="0" u="none" strike="noStrike" cap="none">
+                <a:solidFill>
+                  <a:srgbClr val="000000"/>
+                </a:solidFill>
+                <a:latin typeface="Arial"/>
+                <a:ea typeface="Arial"/>
+                <a:cs typeface="Arial"/>
+                <a:sym typeface="Arial"/>
+              </a:defRPr>
+            </a:lvl7pPr>
+            <a:lvl8pPr marR="0" lvl="7" algn="l" rtl="0">
+              <a:lnSpc>
+                <a:spcPct val="100000"/>
+              </a:lnSpc>
+              <a:spcBef>
+                <a:spcPts val="0"/>
+              </a:spcBef>
+              <a:spcAft>
+                <a:spcPts val="0"/>
+              </a:spcAft>
+              <a:buClr>
+                <a:srgbClr val="000000"/>
+              </a:buClr>
+              <a:buSzPts val="3000"/>
+              <a:buFont typeface="Arial"/>
+              <a:buNone/>
+              <a:defRPr sz="1800" b="0" i="0" u="none" strike="noStrike" cap="none">
+                <a:solidFill>
+                  <a:srgbClr val="000000"/>
+                </a:solidFill>
+                <a:latin typeface="Arial"/>
+                <a:ea typeface="Arial"/>
+                <a:cs typeface="Arial"/>
+                <a:sym typeface="Arial"/>
+              </a:defRPr>
+            </a:lvl8pPr>
+            <a:lvl9pPr marR="0" lvl="8" algn="l" rtl="0">
+              <a:lnSpc>
+                <a:spcPct val="100000"/>
+              </a:lnSpc>
+              <a:spcBef>
+                <a:spcPts val="0"/>
+              </a:spcBef>
+              <a:spcAft>
+                <a:spcPts val="0"/>
+              </a:spcAft>
+              <a:buClr>
+                <a:srgbClr val="000000"/>
+              </a:buClr>
+              <a:buSzPts val="3000"/>
+              <a:buFont typeface="Arial"/>
+              <a:buNone/>
+              <a:defRPr sz="1800" b="0" i="0" u="none" strike="noStrike" cap="none">
+                <a:solidFill>
+                  <a:srgbClr val="000000"/>
+                </a:solidFill>
+                <a:latin typeface="Arial"/>
+                <a:ea typeface="Arial"/>
+                <a:cs typeface="Arial"/>
+                <a:sym typeface="Arial"/>
+              </a:defRPr>
+            </a:lvl9pPr>
+          </a:lstStyle>
+          <a:p>
+            <a:r>
+              <a:rPr lang="en-US" dirty="0" smtClean="0"/>
+              <a:t>GitHub Actions </a:t>
+            </a:r>
+            <a:r>
+              <a:rPr lang="en-US" dirty="0" smtClean="0"/>
+              <a:t>CI Personalization</a:t>
             </a:r>
             <a:endParaRPr lang="en-US" dirty="0"/>
           </a:p>
@@ -31601,30 +32353,6 @@
           </a:p>
         </p:txBody>
       </p:sp>
-      <p:pic>
-        <p:nvPicPr>
-          <p:cNvPr id="4" name="Picture 3"/>
-          <p:cNvPicPr>
-            <a:picLocks noChangeAspect="1"/>
-          </p:cNvPicPr>
-          <p:nvPr/>
-        </p:nvPicPr>
-        <p:blipFill>
-          <a:blip r:embed="rId3"/>
-          <a:stretch>
-            <a:fillRect/>
-          </a:stretch>
-        </p:blipFill>
-        <p:spPr>
-          <a:xfrm>
-            <a:off x="5997385" y="672348"/>
-            <a:ext cx="2866039" cy="3839140"/>
-          </a:xfrm>
-          <a:prstGeom prst="rect">
-            <a:avLst/>
-          </a:prstGeom>
-        </p:spPr>
-      </p:pic>
       <p:sp>
         <p:nvSpPr>
           <p:cNvPr id="5" name="TextBox 4"/>
@@ -31633,7 +32361,7 @@
         </p:nvSpPr>
         <p:spPr>
           <a:xfrm>
-            <a:off x="5883088" y="4565714"/>
+            <a:off x="5311587" y="4774146"/>
             <a:ext cx="3361765" cy="261610"/>
           </a:xfrm>
           <a:prstGeom prst="rect">
@@ -31667,10 +32395,34 @@
           </a:p>
         </p:txBody>
       </p:sp>
+      <p:pic>
+        <p:nvPicPr>
+          <p:cNvPr id="2" name="Picture 1"/>
+          <p:cNvPicPr>
+            <a:picLocks noChangeAspect="1"/>
+          </p:cNvPicPr>
+          <p:nvPr/>
+        </p:nvPicPr>
+        <p:blipFill>
+          <a:blip r:embed="rId3"/>
+          <a:stretch>
+            <a:fillRect/>
+          </a:stretch>
+        </p:blipFill>
+        <p:spPr>
+          <a:xfrm>
+            <a:off x="4997402" y="767765"/>
+            <a:ext cx="3990134" cy="3912453"/>
+          </a:xfrm>
+          <a:prstGeom prst="rect">
+            <a:avLst/>
+          </a:prstGeom>
+        </p:spPr>
+      </p:pic>
     </p:spTree>
     <p:extLst>
       <p:ext uri="{BB962C8B-B14F-4D97-AF65-F5344CB8AC3E}">
-        <p14:creationId xmlns:p14="http://schemas.microsoft.com/office/powerpoint/2010/main" val="2208687489"/>
+        <p14:creationId xmlns:p14="http://schemas.microsoft.com/office/powerpoint/2010/main" val="1444403097"/>
       </p:ext>
     </p:extLst>
   </p:cSld>
@@ -31680,7 +32432,7 @@
 </p:sld>
 </file>
 
-<file path=ppt/slides/slide6.xml><?xml version="1.0" encoding="utf-8"?>
+<file path=ppt/slides/slide7.xml><?xml version="1.0" encoding="utf-8"?>
 <p:sld xmlns:a="http://schemas.openxmlformats.org/drawingml/2006/main" xmlns:r="http://schemas.openxmlformats.org/officeDocument/2006/relationships" xmlns:p="http://schemas.openxmlformats.org/presentationml/2006/main">
   <p:cSld>
     <p:bg>
